--- a/sdf/heuristic/transparent/Results/Thesis_Presentation.pptx
+++ b/sdf/heuristic/transparent/Results/Thesis_Presentation.pptx
@@ -121,6 +121,11 @@
       </a:defRPr>
     </a:lvl9pPr>
   </p:defaultTextStyle>
+  <p:extLst>
+    <p:ext uri="{EFAFB233-063F-42B5-8137-9DF3F51BA10A}">
+      <p15:sldGuideLst xmlns:p15="http://schemas.microsoft.com/office/powerpoint/2012/main"/>
+    </p:ext>
+  </p:extLst>
 </p:presentation>
 </file>
 
@@ -1206,6 +1211,13 @@
         </dgm:presLayoutVars>
       </dgm:prSet>
       <dgm:spPr/>
+      <dgm:t>
+        <a:bodyPr/>
+        <a:lstStyle/>
+        <a:p>
+          <a:endParaRPr lang="en-US"/>
+        </a:p>
+      </dgm:t>
     </dgm:pt>
     <dgm:pt modelId="{5D448F19-C9FC-4955-8C56-B6ACC06870A5}" type="pres">
       <dgm:prSet presAssocID="{70E75B97-07A5-4007-B9E2-A52D02BE222C}" presName="Name1" presStyleCnt="0"/>
@@ -1222,6 +1234,13 @@
     <dgm:pt modelId="{6B8602BB-2DBA-4F89-9358-B41EFF72FD84}" type="pres">
       <dgm:prSet presAssocID="{70E75B97-07A5-4007-B9E2-A52D02BE222C}" presName="conn" presStyleLbl="parChTrans1D2" presStyleIdx="0" presStyleCnt="1"/>
       <dgm:spPr/>
+      <dgm:t>
+        <a:bodyPr/>
+        <a:lstStyle/>
+        <a:p>
+          <a:endParaRPr lang="en-US"/>
+        </a:p>
+      </dgm:t>
     </dgm:pt>
     <dgm:pt modelId="{44F56EBD-FCE2-440D-A147-D7DF76D00834}" type="pres">
       <dgm:prSet presAssocID="{70E75B97-07A5-4007-B9E2-A52D02BE222C}" presName="extraNode" presStyleLbl="node1" presStyleIdx="0" presStyleCnt="6"/>
@@ -1238,6 +1257,13 @@
         </dgm:presLayoutVars>
       </dgm:prSet>
       <dgm:spPr/>
+      <dgm:t>
+        <a:bodyPr/>
+        <a:lstStyle/>
+        <a:p>
+          <a:endParaRPr lang="en-US"/>
+        </a:p>
+      </dgm:t>
     </dgm:pt>
     <dgm:pt modelId="{CA71AA2B-F51B-4CAF-B87A-55F63F549DC1}" type="pres">
       <dgm:prSet presAssocID="{E9517428-9A36-4FD6-95AD-849DB59295B1}" presName="accent_1" presStyleCnt="0"/>
@@ -1254,6 +1280,13 @@
         </dgm:presLayoutVars>
       </dgm:prSet>
       <dgm:spPr/>
+      <dgm:t>
+        <a:bodyPr/>
+        <a:lstStyle/>
+        <a:p>
+          <a:endParaRPr lang="en-US"/>
+        </a:p>
+      </dgm:t>
     </dgm:pt>
     <dgm:pt modelId="{7200ECF9-96DA-41B9-B71F-2AF0808DA5A7}" type="pres">
       <dgm:prSet presAssocID="{253CB6E3-0EFD-4842-9AC0-FC277E0570AC}" presName="accent_2" presStyleCnt="0"/>
@@ -1270,6 +1303,13 @@
         </dgm:presLayoutVars>
       </dgm:prSet>
       <dgm:spPr/>
+      <dgm:t>
+        <a:bodyPr/>
+        <a:lstStyle/>
+        <a:p>
+          <a:endParaRPr lang="en-US"/>
+        </a:p>
+      </dgm:t>
     </dgm:pt>
     <dgm:pt modelId="{D4757461-0276-482F-9F55-AC54963729F9}" type="pres">
       <dgm:prSet presAssocID="{8825902E-0A16-445B-AA81-FAA3F2B4D909}" presName="accent_3" presStyleCnt="0"/>
@@ -1286,6 +1326,13 @@
         </dgm:presLayoutVars>
       </dgm:prSet>
       <dgm:spPr/>
+      <dgm:t>
+        <a:bodyPr/>
+        <a:lstStyle/>
+        <a:p>
+          <a:endParaRPr lang="en-US"/>
+        </a:p>
+      </dgm:t>
     </dgm:pt>
     <dgm:pt modelId="{871EB0EF-A966-4883-81B7-BAC41137D093}" type="pres">
       <dgm:prSet presAssocID="{7950D2D5-C4DB-44F7-9FCB-A5EB85251759}" presName="accent_4" presStyleCnt="0"/>
@@ -1302,6 +1349,13 @@
         </dgm:presLayoutVars>
       </dgm:prSet>
       <dgm:spPr/>
+      <dgm:t>
+        <a:bodyPr/>
+        <a:lstStyle/>
+        <a:p>
+          <a:endParaRPr lang="en-US"/>
+        </a:p>
+      </dgm:t>
     </dgm:pt>
     <dgm:pt modelId="{92F607DB-0900-4322-9116-06E859D29993}" type="pres">
       <dgm:prSet presAssocID="{2D80DD46-D062-4BEB-B4EE-C3BDABCC3420}" presName="accent_5" presStyleCnt="0"/>
@@ -1318,6 +1372,13 @@
         </dgm:presLayoutVars>
       </dgm:prSet>
       <dgm:spPr/>
+      <dgm:t>
+        <a:bodyPr/>
+        <a:lstStyle/>
+        <a:p>
+          <a:endParaRPr lang="en-US"/>
+        </a:p>
+      </dgm:t>
     </dgm:pt>
     <dgm:pt modelId="{8BFA3F32-E13F-4D65-A6BD-9511622C4C0D}" type="pres">
       <dgm:prSet presAssocID="{1DDEDA7C-C534-4429-AD7B-96929097F8DC}" presName="accent_6" presStyleCnt="0"/>
@@ -1330,19 +1391,19 @@
   </dgm:ptLst>
   <dgm:cxnLst>
     <dgm:cxn modelId="{B5D37F02-DE1B-444D-865B-15D61E09F71F}" type="presOf" srcId="{7950D2D5-C4DB-44F7-9FCB-A5EB85251759}" destId="{EDFEA209-8E87-4D17-B1D4-DF5B306704F5}" srcOrd="0" destOrd="0" presId="urn:microsoft.com/office/officeart/2008/layout/VerticalCurvedList"/>
+    <dgm:cxn modelId="{545C5964-E306-46E4-8FB0-D78D6242E3B8}" type="presOf" srcId="{11C8BFA8-66BD-42D6-8BF9-6FA7D1052D6C}" destId="{6B8602BB-2DBA-4F89-9358-B41EFF72FD84}" srcOrd="0" destOrd="0" presId="urn:microsoft.com/office/officeart/2008/layout/VerticalCurvedList"/>
+    <dgm:cxn modelId="{30A0E77E-10C0-4B48-9CDB-4484862446E9}" type="presOf" srcId="{253CB6E3-0EFD-4842-9AC0-FC277E0570AC}" destId="{71EFC7FA-D610-4C91-8BF0-6975F5A872A9}" srcOrd="0" destOrd="0" presId="urn:microsoft.com/office/officeart/2008/layout/VerticalCurvedList"/>
+    <dgm:cxn modelId="{C1C5EA46-7666-42BE-BF29-756F22CA3703}" srcId="{70E75B97-07A5-4007-B9E2-A52D02BE222C}" destId="{7950D2D5-C4DB-44F7-9FCB-A5EB85251759}" srcOrd="3" destOrd="0" parTransId="{EF005FCC-5892-4E30-B9A3-BB4A7AB22F36}" sibTransId="{E24AF27A-D084-4743-B2B3-040ED4694DB3}"/>
+    <dgm:cxn modelId="{33ED9518-4F82-4286-AEAC-224D0F8C714C}" srcId="{70E75B97-07A5-4007-B9E2-A52D02BE222C}" destId="{1DDEDA7C-C534-4429-AD7B-96929097F8DC}" srcOrd="5" destOrd="0" parTransId="{D1E2CBD9-5CA0-4866-A74B-79720278562A}" sibTransId="{64AEC9F5-D069-4A89-BAA0-3C6560B69F7C}"/>
+    <dgm:cxn modelId="{EAF087A4-FA54-4960-91C9-AC38856F1A04}" type="presOf" srcId="{8825902E-0A16-445B-AA81-FAA3F2B4D909}" destId="{6A36D423-611A-4243-8830-6752B67D6D87}" srcOrd="0" destOrd="0" presId="urn:microsoft.com/office/officeart/2008/layout/VerticalCurvedList"/>
     <dgm:cxn modelId="{00770314-5C0D-4197-AB82-C68B2706E24A}" srcId="{70E75B97-07A5-4007-B9E2-A52D02BE222C}" destId="{2D80DD46-D062-4BEB-B4EE-C3BDABCC3420}" srcOrd="4" destOrd="0" parTransId="{0485EF4C-9722-4F4E-B3AC-CCF9CD2345FF}" sibTransId="{F48143FB-EDD1-4239-9318-640258B1716A}"/>
-    <dgm:cxn modelId="{33ED9518-4F82-4286-AEAC-224D0F8C714C}" srcId="{70E75B97-07A5-4007-B9E2-A52D02BE222C}" destId="{1DDEDA7C-C534-4429-AD7B-96929097F8DC}" srcOrd="5" destOrd="0" parTransId="{D1E2CBD9-5CA0-4866-A74B-79720278562A}" sibTransId="{64AEC9F5-D069-4A89-BAA0-3C6560B69F7C}"/>
+    <dgm:cxn modelId="{EFCB97AD-0016-4FEB-B9A7-CF93FA8379EA}" type="presOf" srcId="{1DDEDA7C-C534-4429-AD7B-96929097F8DC}" destId="{37D2652E-D792-46F9-98A2-40AB656B9AB6}" srcOrd="0" destOrd="0" presId="urn:microsoft.com/office/officeart/2008/layout/VerticalCurvedList"/>
     <dgm:cxn modelId="{461D735D-8DB1-4465-B00F-43A63E94B041}" type="presOf" srcId="{E9517428-9A36-4FD6-95AD-849DB59295B1}" destId="{CBB003AC-0707-4768-AA41-7155661F4345}" srcOrd="0" destOrd="0" presId="urn:microsoft.com/office/officeart/2008/layout/VerticalCurvedList"/>
-    <dgm:cxn modelId="{545C5964-E306-46E4-8FB0-D78D6242E3B8}" type="presOf" srcId="{11C8BFA8-66BD-42D6-8BF9-6FA7D1052D6C}" destId="{6B8602BB-2DBA-4F89-9358-B41EFF72FD84}" srcOrd="0" destOrd="0" presId="urn:microsoft.com/office/officeart/2008/layout/VerticalCurvedList"/>
-    <dgm:cxn modelId="{C1C5EA46-7666-42BE-BF29-756F22CA3703}" srcId="{70E75B97-07A5-4007-B9E2-A52D02BE222C}" destId="{7950D2D5-C4DB-44F7-9FCB-A5EB85251759}" srcOrd="3" destOrd="0" parTransId="{EF005FCC-5892-4E30-B9A3-BB4A7AB22F36}" sibTransId="{E24AF27A-D084-4743-B2B3-040ED4694DB3}"/>
-    <dgm:cxn modelId="{A1AE2E4C-32C6-4284-A358-E590DA78E4B0}" type="presOf" srcId="{2D80DD46-D062-4BEB-B4EE-C3BDABCC3420}" destId="{528A44D7-CD47-4DE8-998E-EFE8AEC25B5E}" srcOrd="0" destOrd="0" presId="urn:microsoft.com/office/officeart/2008/layout/VerticalCurvedList"/>
-    <dgm:cxn modelId="{30A0E77E-10C0-4B48-9CDB-4484862446E9}" type="presOf" srcId="{253CB6E3-0EFD-4842-9AC0-FC277E0570AC}" destId="{71EFC7FA-D610-4C91-8BF0-6975F5A872A9}" srcOrd="0" destOrd="0" presId="urn:microsoft.com/office/officeart/2008/layout/VerticalCurvedList"/>
+    <dgm:cxn modelId="{0D82E2ED-5886-4B52-8F09-66969547EFEC}" srcId="{70E75B97-07A5-4007-B9E2-A52D02BE222C}" destId="{253CB6E3-0EFD-4842-9AC0-FC277E0570AC}" srcOrd="1" destOrd="0" parTransId="{6115A04B-288E-4230-B12E-4B474E0D8918}" sibTransId="{EC4733DC-BDFE-4829-BB1F-DD3113AC4936}"/>
     <dgm:cxn modelId="{257DA6A3-44D0-4B0D-8268-10C172A284EC}" srcId="{70E75B97-07A5-4007-B9E2-A52D02BE222C}" destId="{8825902E-0A16-445B-AA81-FAA3F2B4D909}" srcOrd="2" destOrd="0" parTransId="{4FBEBDD0-3C4A-4096-95B0-6DC59E82E52B}" sibTransId="{E211C3DD-9CDC-4C58-87A6-9BF17F62B014}"/>
-    <dgm:cxn modelId="{EAF087A4-FA54-4960-91C9-AC38856F1A04}" type="presOf" srcId="{8825902E-0A16-445B-AA81-FAA3F2B4D909}" destId="{6A36D423-611A-4243-8830-6752B67D6D87}" srcOrd="0" destOrd="0" presId="urn:microsoft.com/office/officeart/2008/layout/VerticalCurvedList"/>
-    <dgm:cxn modelId="{EFCB97AD-0016-4FEB-B9A7-CF93FA8379EA}" type="presOf" srcId="{1DDEDA7C-C534-4429-AD7B-96929097F8DC}" destId="{37D2652E-D792-46F9-98A2-40AB656B9AB6}" srcOrd="0" destOrd="0" presId="urn:microsoft.com/office/officeart/2008/layout/VerticalCurvedList"/>
     <dgm:cxn modelId="{B1C916AF-CBAA-4B9F-BA95-977572F23289}" type="presOf" srcId="{70E75B97-07A5-4007-B9E2-A52D02BE222C}" destId="{3E7106DC-C921-4FC4-B7EB-9EDC257EA352}" srcOrd="0" destOrd="0" presId="urn:microsoft.com/office/officeart/2008/layout/VerticalCurvedList"/>
     <dgm:cxn modelId="{B16728D8-42BE-4B3C-B784-3DAA1445ECFC}" srcId="{70E75B97-07A5-4007-B9E2-A52D02BE222C}" destId="{E9517428-9A36-4FD6-95AD-849DB59295B1}" srcOrd="0" destOrd="0" parTransId="{C5755F09-9180-4345-8AA2-534CD790EE04}" sibTransId="{11C8BFA8-66BD-42D6-8BF9-6FA7D1052D6C}"/>
-    <dgm:cxn modelId="{0D82E2ED-5886-4B52-8F09-66969547EFEC}" srcId="{70E75B97-07A5-4007-B9E2-A52D02BE222C}" destId="{253CB6E3-0EFD-4842-9AC0-FC277E0570AC}" srcOrd="1" destOrd="0" parTransId="{6115A04B-288E-4230-B12E-4B474E0D8918}" sibTransId="{EC4733DC-BDFE-4829-BB1F-DD3113AC4936}"/>
+    <dgm:cxn modelId="{A1AE2E4C-32C6-4284-A358-E590DA78E4B0}" type="presOf" srcId="{2D80DD46-D062-4BEB-B4EE-C3BDABCC3420}" destId="{528A44D7-CD47-4DE8-998E-EFE8AEC25B5E}" srcOrd="0" destOrd="0" presId="urn:microsoft.com/office/officeart/2008/layout/VerticalCurvedList"/>
     <dgm:cxn modelId="{3B083C6A-485E-4030-B88D-0E88AE83B395}" type="presParOf" srcId="{3E7106DC-C921-4FC4-B7EB-9EDC257EA352}" destId="{5D448F19-C9FC-4955-8C56-B6ACC06870A5}" srcOrd="0" destOrd="0" presId="urn:microsoft.com/office/officeart/2008/layout/VerticalCurvedList"/>
     <dgm:cxn modelId="{E7062A89-31CF-41A7-ACC4-4FA207990E38}" type="presParOf" srcId="{5D448F19-C9FC-4955-8C56-B6ACC06870A5}" destId="{B0817EE1-E601-4FFD-836E-A53C71470DB9}" srcOrd="0" destOrd="0" presId="urn:microsoft.com/office/officeart/2008/layout/VerticalCurvedList"/>
     <dgm:cxn modelId="{DCDB8803-B245-4CB5-AEEB-CD613B97CFB3}" type="presParOf" srcId="{B0817EE1-E601-4FFD-836E-A53C71470DB9}" destId="{29438B58-D0D9-4C64-AD7E-58D31346D27B}" srcOrd="0" destOrd="0" presId="urn:microsoft.com/office/officeart/2008/layout/VerticalCurvedList"/>
@@ -1486,7 +1547,7 @@
         </a:bodyPr>
         <a:lstStyle/>
         <a:p>
-          <a:pPr marL="0" lvl="0" indent="0" algn="l" defTabSz="977900">
+          <a:pPr lvl="0" algn="l" defTabSz="977900">
             <a:lnSpc>
               <a:spcPct val="90000"/>
             </a:lnSpc>
@@ -1496,7 +1557,6 @@
             <a:spcAft>
               <a:spcPct val="35000"/>
             </a:spcAft>
-            <a:buNone/>
           </a:pPr>
           <a:r>
             <a:rPr lang="pt-PT" sz="2200" kern="1200" dirty="0" err="1"/>
@@ -1612,7 +1672,7 @@
         </a:bodyPr>
         <a:lstStyle/>
         <a:p>
-          <a:pPr marL="0" lvl="0" indent="0" algn="l" defTabSz="977900">
+          <a:pPr lvl="0" algn="l" defTabSz="977900">
             <a:lnSpc>
               <a:spcPct val="90000"/>
             </a:lnSpc>
@@ -1622,7 +1682,6 @@
             <a:spcAft>
               <a:spcPct val="35000"/>
             </a:spcAft>
-            <a:buNone/>
           </a:pPr>
           <a:r>
             <a:rPr lang="pt-PT" sz="2200" kern="1200" dirty="0"/>
@@ -1754,7 +1813,7 @@
         </a:bodyPr>
         <a:lstStyle/>
         <a:p>
-          <a:pPr marL="0" lvl="0" indent="0" algn="l" defTabSz="977900">
+          <a:pPr lvl="0" algn="l" defTabSz="977900">
             <a:lnSpc>
               <a:spcPct val="90000"/>
             </a:lnSpc>
@@ -1764,7 +1823,6 @@
             <a:spcAft>
               <a:spcPct val="35000"/>
             </a:spcAft>
-            <a:buNone/>
           </a:pPr>
           <a:r>
             <a:rPr lang="en-GB" sz="2200" kern="1200" dirty="0"/>
@@ -1879,7 +1937,7 @@
         </a:bodyPr>
         <a:lstStyle/>
         <a:p>
-          <a:pPr marL="0" lvl="0" indent="0" algn="l" defTabSz="977900">
+          <a:pPr lvl="0" algn="l" defTabSz="977900">
             <a:lnSpc>
               <a:spcPct val="90000"/>
             </a:lnSpc>
@@ -1889,7 +1947,6 @@
             <a:spcAft>
               <a:spcPct val="35000"/>
             </a:spcAft>
-            <a:buNone/>
           </a:pPr>
           <a:r>
             <a:rPr lang="pt-PT" sz="2200" kern="1200" dirty="0"/>
@@ -2013,7 +2070,7 @@
         </a:bodyPr>
         <a:lstStyle/>
         <a:p>
-          <a:pPr marL="0" lvl="0" indent="0" algn="l" defTabSz="977900">
+          <a:pPr lvl="0" algn="l" defTabSz="977900">
             <a:lnSpc>
               <a:spcPct val="90000"/>
             </a:lnSpc>
@@ -2023,7 +2080,6 @@
             <a:spcAft>
               <a:spcPct val="35000"/>
             </a:spcAft>
-            <a:buNone/>
           </a:pPr>
           <a:r>
             <a:rPr lang="pt-PT" sz="2200" kern="1200" dirty="0" err="1"/>
@@ -2147,7 +2203,7 @@
         </a:bodyPr>
         <a:lstStyle/>
         <a:p>
-          <a:pPr marL="0" lvl="0" indent="0" algn="l" defTabSz="977900">
+          <a:pPr lvl="0" algn="l" defTabSz="977900">
             <a:lnSpc>
               <a:spcPct val="90000"/>
             </a:lnSpc>
@@ -2157,7 +2213,6 @@
             <a:spcAft>
               <a:spcPct val="35000"/>
             </a:spcAft>
-            <a:buNone/>
           </a:pPr>
           <a:r>
             <a:rPr lang="en-US" sz="2200" kern="1200" dirty="0"/>
@@ -4774,7 +4829,7 @@
           <a:p>
             <a:fld id="{5AE53C57-C550-45C1-AC8D-8101F18948B4}" type="slidenum">
               <a:rPr lang="en-GB" smtClean="0"/>
-              <a:t>‹nº›</a:t>
+              <a:t>‹#›</a:t>
             </a:fld>
             <a:endParaRPr lang="en-GB"/>
           </a:p>
@@ -5479,7 +5534,7 @@
           <a:p>
             <a:fld id="{7506C917-E499-4CEC-BDFB-AB7EF7F701DC}" type="datetimeFigureOut">
               <a:rPr lang="pt-PT" smtClean="0"/>
-              <a:t>20/05/2019</a:t>
+              <a:t>21/05/2019</a:t>
             </a:fld>
             <a:endParaRPr lang="pt-PT"/>
           </a:p>
@@ -5521,7 +5576,7 @@
           <a:p>
             <a:fld id="{8E342EF3-E1D6-4436-B022-C5C969342430}" type="slidenum">
               <a:rPr lang="pt-PT" smtClean="0"/>
-              <a:t>‹nº›</a:t>
+              <a:t>‹#›</a:t>
             </a:fld>
             <a:endParaRPr lang="pt-PT"/>
           </a:p>
@@ -5649,7 +5704,7 @@
           <a:p>
             <a:fld id="{7506C917-E499-4CEC-BDFB-AB7EF7F701DC}" type="datetimeFigureOut">
               <a:rPr lang="pt-PT" smtClean="0"/>
-              <a:t>20/05/2019</a:t>
+              <a:t>21/05/2019</a:t>
             </a:fld>
             <a:endParaRPr lang="pt-PT"/>
           </a:p>
@@ -5691,7 +5746,7 @@
           <a:p>
             <a:fld id="{8E342EF3-E1D6-4436-B022-C5C969342430}" type="slidenum">
               <a:rPr lang="pt-PT" smtClean="0"/>
-              <a:t>‹nº›</a:t>
+              <a:t>‹#›</a:t>
             </a:fld>
             <a:endParaRPr lang="pt-PT"/>
           </a:p>
@@ -5829,7 +5884,7 @@
           <a:p>
             <a:fld id="{7506C917-E499-4CEC-BDFB-AB7EF7F701DC}" type="datetimeFigureOut">
               <a:rPr lang="pt-PT" smtClean="0"/>
-              <a:t>20/05/2019</a:t>
+              <a:t>21/05/2019</a:t>
             </a:fld>
             <a:endParaRPr lang="pt-PT"/>
           </a:p>
@@ -5871,7 +5926,7 @@
           <a:p>
             <a:fld id="{8E342EF3-E1D6-4436-B022-C5C969342430}" type="slidenum">
               <a:rPr lang="pt-PT" smtClean="0"/>
-              <a:t>‹nº›</a:t>
+              <a:t>‹#›</a:t>
             </a:fld>
             <a:endParaRPr lang="pt-PT"/>
           </a:p>
@@ -6635,7 +6690,7 @@
           <a:p>
             <a:fld id="{7506C917-E499-4CEC-BDFB-AB7EF7F701DC}" type="datetimeFigureOut">
               <a:rPr lang="pt-PT" smtClean="0"/>
-              <a:t>20/05/2019</a:t>
+              <a:t>21/05/2019</a:t>
             </a:fld>
             <a:endParaRPr lang="pt-PT"/>
           </a:p>
@@ -6677,7 +6732,7 @@
           <a:p>
             <a:fld id="{8E342EF3-E1D6-4436-B022-C5C969342430}" type="slidenum">
               <a:rPr lang="pt-PT" smtClean="0"/>
-              <a:t>‹nº›</a:t>
+              <a:t>‹#›</a:t>
             </a:fld>
             <a:endParaRPr lang="pt-PT"/>
           </a:p>
@@ -6805,7 +6860,7 @@
           <a:p>
             <a:fld id="{7506C917-E499-4CEC-BDFB-AB7EF7F701DC}" type="datetimeFigureOut">
               <a:rPr lang="pt-PT" smtClean="0"/>
-              <a:t>20/05/2019</a:t>
+              <a:t>21/05/2019</a:t>
             </a:fld>
             <a:endParaRPr lang="pt-PT"/>
           </a:p>
@@ -6847,7 +6902,7 @@
           <a:p>
             <a:fld id="{8E342EF3-E1D6-4436-B022-C5C969342430}" type="slidenum">
               <a:rPr lang="pt-PT" smtClean="0"/>
-              <a:t>‹nº›</a:t>
+              <a:t>‹#›</a:t>
             </a:fld>
             <a:endParaRPr lang="pt-PT"/>
           </a:p>
@@ -7052,7 +7107,7 @@
           <a:p>
             <a:fld id="{7506C917-E499-4CEC-BDFB-AB7EF7F701DC}" type="datetimeFigureOut">
               <a:rPr lang="pt-PT" smtClean="0"/>
-              <a:t>20/05/2019</a:t>
+              <a:t>21/05/2019</a:t>
             </a:fld>
             <a:endParaRPr lang="pt-PT"/>
           </a:p>
@@ -7094,7 +7149,7 @@
           <a:p>
             <a:fld id="{8E342EF3-E1D6-4436-B022-C5C969342430}" type="slidenum">
               <a:rPr lang="pt-PT" smtClean="0"/>
-              <a:t>‹nº›</a:t>
+              <a:t>‹#›</a:t>
             </a:fld>
             <a:endParaRPr lang="pt-PT"/>
           </a:p>
@@ -7284,7 +7339,7 @@
           <a:p>
             <a:fld id="{7506C917-E499-4CEC-BDFB-AB7EF7F701DC}" type="datetimeFigureOut">
               <a:rPr lang="pt-PT" smtClean="0"/>
-              <a:t>20/05/2019</a:t>
+              <a:t>21/05/2019</a:t>
             </a:fld>
             <a:endParaRPr lang="pt-PT"/>
           </a:p>
@@ -7326,7 +7381,7 @@
           <a:p>
             <a:fld id="{8E342EF3-E1D6-4436-B022-C5C969342430}" type="slidenum">
               <a:rPr lang="pt-PT" smtClean="0"/>
-              <a:t>‹nº›</a:t>
+              <a:t>‹#›</a:t>
             </a:fld>
             <a:endParaRPr lang="pt-PT"/>
           </a:p>
@@ -7658,7 +7713,7 @@
           <a:p>
             <a:fld id="{7506C917-E499-4CEC-BDFB-AB7EF7F701DC}" type="datetimeFigureOut">
               <a:rPr lang="pt-PT" smtClean="0"/>
-              <a:t>20/05/2019</a:t>
+              <a:t>21/05/2019</a:t>
             </a:fld>
             <a:endParaRPr lang="pt-PT"/>
           </a:p>
@@ -7700,7 +7755,7 @@
           <a:p>
             <a:fld id="{8E342EF3-E1D6-4436-B022-C5C969342430}" type="slidenum">
               <a:rPr lang="pt-PT" smtClean="0"/>
-              <a:t>‹nº›</a:t>
+              <a:t>‹#›</a:t>
             </a:fld>
             <a:endParaRPr lang="pt-PT"/>
           </a:p>
@@ -7781,7 +7836,7 @@
           <a:p>
             <a:fld id="{7506C917-E499-4CEC-BDFB-AB7EF7F701DC}" type="datetimeFigureOut">
               <a:rPr lang="pt-PT" smtClean="0"/>
-              <a:t>20/05/2019</a:t>
+              <a:t>21/05/2019</a:t>
             </a:fld>
             <a:endParaRPr lang="pt-PT"/>
           </a:p>
@@ -7823,7 +7878,7 @@
           <a:p>
             <a:fld id="{8E342EF3-E1D6-4436-B022-C5C969342430}" type="slidenum">
               <a:rPr lang="pt-PT" smtClean="0"/>
-              <a:t>‹nº›</a:t>
+              <a:t>‹#›</a:t>
             </a:fld>
             <a:endParaRPr lang="pt-PT"/>
           </a:p>
@@ -7876,7 +7931,7 @@
           <a:p>
             <a:fld id="{7506C917-E499-4CEC-BDFB-AB7EF7F701DC}" type="datetimeFigureOut">
               <a:rPr lang="pt-PT" smtClean="0"/>
-              <a:t>20/05/2019</a:t>
+              <a:t>21/05/2019</a:t>
             </a:fld>
             <a:endParaRPr lang="pt-PT"/>
           </a:p>
@@ -7918,7 +7973,7 @@
           <a:p>
             <a:fld id="{8E342EF3-E1D6-4436-B022-C5C969342430}" type="slidenum">
               <a:rPr lang="pt-PT" smtClean="0"/>
-              <a:t>‹nº›</a:t>
+              <a:t>‹#›</a:t>
             </a:fld>
             <a:endParaRPr lang="pt-PT"/>
           </a:p>
@@ -8131,7 +8186,7 @@
           <a:p>
             <a:fld id="{7506C917-E499-4CEC-BDFB-AB7EF7F701DC}" type="datetimeFigureOut">
               <a:rPr lang="pt-PT" smtClean="0"/>
-              <a:t>20/05/2019</a:t>
+              <a:t>21/05/2019</a:t>
             </a:fld>
             <a:endParaRPr lang="pt-PT"/>
           </a:p>
@@ -8173,7 +8228,7 @@
           <a:p>
             <a:fld id="{8E342EF3-E1D6-4436-B022-C5C969342430}" type="slidenum">
               <a:rPr lang="pt-PT" smtClean="0"/>
-              <a:t>‹nº›</a:t>
+              <a:t>‹#›</a:t>
             </a:fld>
             <a:endParaRPr lang="pt-PT"/>
           </a:p>
@@ -8301,7 +8356,7 @@
           <a:p>
             <a:fld id="{7506C917-E499-4CEC-BDFB-AB7EF7F701DC}" type="datetimeFigureOut">
               <a:rPr lang="pt-PT" smtClean="0"/>
-              <a:t>20/05/2019</a:t>
+              <a:t>21/05/2019</a:t>
             </a:fld>
             <a:endParaRPr lang="pt-PT"/>
           </a:p>
@@ -8343,7 +8398,7 @@
           <a:p>
             <a:fld id="{8E342EF3-E1D6-4436-B022-C5C969342430}" type="slidenum">
               <a:rPr lang="pt-PT" smtClean="0"/>
-              <a:t>‹nº›</a:t>
+              <a:t>‹#›</a:t>
             </a:fld>
             <a:endParaRPr lang="pt-PT"/>
           </a:p>
@@ -8583,7 +8638,7 @@
           <a:p>
             <a:fld id="{8E342EF3-E1D6-4436-B022-C5C969342430}" type="slidenum">
               <a:rPr lang="pt-PT" smtClean="0"/>
-              <a:t>‹nº›</a:t>
+              <a:t>‹#›</a:t>
             </a:fld>
             <a:endParaRPr lang="pt-PT"/>
           </a:p>
@@ -8606,7 +8661,7 @@
           <a:p>
             <a:fld id="{7506C917-E499-4CEC-BDFB-AB7EF7F701DC}" type="datetimeFigureOut">
               <a:rPr lang="pt-PT" smtClean="0"/>
-              <a:t>20/05/2019</a:t>
+              <a:t>21/05/2019</a:t>
             </a:fld>
             <a:endParaRPr lang="pt-PT"/>
           </a:p>
@@ -8815,7 +8870,7 @@
           <a:p>
             <a:fld id="{7506C917-E499-4CEC-BDFB-AB7EF7F701DC}" type="datetimeFigureOut">
               <a:rPr lang="pt-PT" smtClean="0"/>
-              <a:t>20/05/2019</a:t>
+              <a:t>21/05/2019</a:t>
             </a:fld>
             <a:endParaRPr lang="pt-PT"/>
           </a:p>
@@ -8857,7 +8912,7 @@
           <a:p>
             <a:fld id="{8E342EF3-E1D6-4436-B022-C5C969342430}" type="slidenum">
               <a:rPr lang="pt-PT" smtClean="0"/>
-              <a:t>‹nº›</a:t>
+              <a:t>‹#›</a:t>
             </a:fld>
             <a:endParaRPr lang="pt-PT"/>
           </a:p>
@@ -9129,7 +9184,7 @@
           <a:p>
             <a:fld id="{7506C917-E499-4CEC-BDFB-AB7EF7F701DC}" type="datetimeFigureOut">
               <a:rPr lang="pt-PT" smtClean="0"/>
-              <a:t>20/05/2019</a:t>
+              <a:t>21/05/2019</a:t>
             </a:fld>
             <a:endParaRPr lang="pt-PT"/>
           </a:p>
@@ -9171,7 +9226,7 @@
           <a:p>
             <a:fld id="{8E342EF3-E1D6-4436-B022-C5C969342430}" type="slidenum">
               <a:rPr lang="pt-PT" smtClean="0"/>
-              <a:t>‹nº›</a:t>
+              <a:t>‹#›</a:t>
             </a:fld>
             <a:endParaRPr lang="pt-PT"/>
           </a:p>
@@ -9462,7 +9517,7 @@
           <a:p>
             <a:fld id="{7506C917-E499-4CEC-BDFB-AB7EF7F701DC}" type="datetimeFigureOut">
               <a:rPr lang="pt-PT" smtClean="0"/>
-              <a:t>20/05/2019</a:t>
+              <a:t>21/05/2019</a:t>
             </a:fld>
             <a:endParaRPr lang="pt-PT"/>
           </a:p>
@@ -9504,7 +9559,7 @@
           <a:p>
             <a:fld id="{8E342EF3-E1D6-4436-B022-C5C969342430}" type="slidenum">
               <a:rPr lang="pt-PT" smtClean="0"/>
-              <a:t>‹nº›</a:t>
+              <a:t>‹#›</a:t>
             </a:fld>
             <a:endParaRPr lang="pt-PT"/>
           </a:p>
@@ -9776,7 +9831,7 @@
           <a:p>
             <a:fld id="{7506C917-E499-4CEC-BDFB-AB7EF7F701DC}" type="datetimeFigureOut">
               <a:rPr lang="pt-PT" smtClean="0"/>
-              <a:t>20/05/2019</a:t>
+              <a:t>21/05/2019</a:t>
             </a:fld>
             <a:endParaRPr lang="pt-PT"/>
           </a:p>
@@ -9818,7 +9873,7 @@
           <a:p>
             <a:fld id="{8E342EF3-E1D6-4436-B022-C5C969342430}" type="slidenum">
               <a:rPr lang="pt-PT" smtClean="0"/>
-              <a:t>‹nº›</a:t>
+              <a:t>‹#›</a:t>
             </a:fld>
             <a:endParaRPr lang="pt-PT"/>
           </a:p>
@@ -10169,7 +10224,7 @@
           <a:p>
             <a:fld id="{7506C917-E499-4CEC-BDFB-AB7EF7F701DC}" type="datetimeFigureOut">
               <a:rPr lang="pt-PT" smtClean="0"/>
-              <a:t>20/05/2019</a:t>
+              <a:t>21/05/2019</a:t>
             </a:fld>
             <a:endParaRPr lang="pt-PT"/>
           </a:p>
@@ -10211,7 +10266,7 @@
           <a:p>
             <a:fld id="{8E342EF3-E1D6-4436-B022-C5C969342430}" type="slidenum">
               <a:rPr lang="pt-PT" smtClean="0"/>
-              <a:t>‹nº›</a:t>
+              <a:t>‹#›</a:t>
             </a:fld>
             <a:endParaRPr lang="pt-PT"/>
           </a:p>
@@ -10339,7 +10394,7 @@
           <a:p>
             <a:fld id="{7506C917-E499-4CEC-BDFB-AB7EF7F701DC}" type="datetimeFigureOut">
               <a:rPr lang="pt-PT" smtClean="0"/>
-              <a:t>20/05/2019</a:t>
+              <a:t>21/05/2019</a:t>
             </a:fld>
             <a:endParaRPr lang="pt-PT"/>
           </a:p>
@@ -10381,7 +10436,7 @@
           <a:p>
             <a:fld id="{8E342EF3-E1D6-4436-B022-C5C969342430}" type="slidenum">
               <a:rPr lang="pt-PT" smtClean="0"/>
-              <a:t>‹nº›</a:t>
+              <a:t>‹#›</a:t>
             </a:fld>
             <a:endParaRPr lang="pt-PT"/>
           </a:p>
@@ -10519,7 +10574,7 @@
           <a:p>
             <a:fld id="{7506C917-E499-4CEC-BDFB-AB7EF7F701DC}" type="datetimeFigureOut">
               <a:rPr lang="pt-PT" smtClean="0"/>
-              <a:t>20/05/2019</a:t>
+              <a:t>21/05/2019</a:t>
             </a:fld>
             <a:endParaRPr lang="pt-PT"/>
           </a:p>
@@ -10561,7 +10616,7 @@
           <a:p>
             <a:fld id="{8E342EF3-E1D6-4436-B022-C5C969342430}" type="slidenum">
               <a:rPr lang="pt-PT" smtClean="0"/>
-              <a:t>‹nº›</a:t>
+              <a:t>‹#›</a:t>
             </a:fld>
             <a:endParaRPr lang="pt-PT"/>
           </a:p>
@@ -10770,7 +10825,7 @@
           <a:p>
             <a:fld id="{7506C917-E499-4CEC-BDFB-AB7EF7F701DC}" type="datetimeFigureOut">
               <a:rPr lang="pt-PT" smtClean="0"/>
-              <a:t>20/05/2019</a:t>
+              <a:t>21/05/2019</a:t>
             </a:fld>
             <a:endParaRPr lang="pt-PT"/>
           </a:p>
@@ -10812,7 +10867,7 @@
           <a:p>
             <a:fld id="{8E342EF3-E1D6-4436-B022-C5C969342430}" type="slidenum">
               <a:rPr lang="pt-PT" smtClean="0"/>
-              <a:t>‹nº›</a:t>
+              <a:t>‹#›</a:t>
             </a:fld>
             <a:endParaRPr lang="pt-PT"/>
           </a:p>
@@ -11002,7 +11057,7 @@
           <a:p>
             <a:fld id="{7506C917-E499-4CEC-BDFB-AB7EF7F701DC}" type="datetimeFigureOut">
               <a:rPr lang="pt-PT" smtClean="0"/>
-              <a:t>20/05/2019</a:t>
+              <a:t>21/05/2019</a:t>
             </a:fld>
             <a:endParaRPr lang="pt-PT"/>
           </a:p>
@@ -11044,7 +11099,7 @@
           <a:p>
             <a:fld id="{8E342EF3-E1D6-4436-B022-C5C969342430}" type="slidenum">
               <a:rPr lang="pt-PT" smtClean="0"/>
-              <a:t>‹nº›</a:t>
+              <a:t>‹#›</a:t>
             </a:fld>
             <a:endParaRPr lang="pt-PT"/>
           </a:p>
@@ -11349,7 +11404,7 @@
           <a:p>
             <a:fld id="{7506C917-E499-4CEC-BDFB-AB7EF7F701DC}" type="datetimeFigureOut">
               <a:rPr lang="pt-PT" smtClean="0"/>
-              <a:t>20/05/2019</a:t>
+              <a:t>21/05/2019</a:t>
             </a:fld>
             <a:endParaRPr lang="pt-PT"/>
           </a:p>
@@ -11391,7 +11446,7 @@
           <a:p>
             <a:fld id="{8E342EF3-E1D6-4436-B022-C5C969342430}" type="slidenum">
               <a:rPr lang="pt-PT" smtClean="0"/>
-              <a:t>‹nº›</a:t>
+              <a:t>‹#›</a:t>
             </a:fld>
             <a:endParaRPr lang="pt-PT"/>
           </a:p>
@@ -11467,7 +11522,7 @@
           <a:p>
             <a:fld id="{7506C917-E499-4CEC-BDFB-AB7EF7F701DC}" type="datetimeFigureOut">
               <a:rPr lang="pt-PT" smtClean="0"/>
-              <a:t>20/05/2019</a:t>
+              <a:t>21/05/2019</a:t>
             </a:fld>
             <a:endParaRPr lang="pt-PT"/>
           </a:p>
@@ -11509,7 +11564,7 @@
           <a:p>
             <a:fld id="{8E342EF3-E1D6-4436-B022-C5C969342430}" type="slidenum">
               <a:rPr lang="pt-PT" smtClean="0"/>
-              <a:t>‹nº›</a:t>
+              <a:t>‹#›</a:t>
             </a:fld>
             <a:endParaRPr lang="pt-PT"/>
           </a:p>
@@ -11585,7 +11640,7 @@
           <a:p>
             <a:fld id="{7506C917-E499-4CEC-BDFB-AB7EF7F701DC}" type="datetimeFigureOut">
               <a:rPr lang="pt-PT" smtClean="0"/>
-              <a:t>20/05/2019</a:t>
+              <a:t>21/05/2019</a:t>
             </a:fld>
             <a:endParaRPr lang="pt-PT"/>
           </a:p>
@@ -11627,7 +11682,7 @@
           <a:p>
             <a:fld id="{8E342EF3-E1D6-4436-B022-C5C969342430}" type="slidenum">
               <a:rPr lang="pt-PT" smtClean="0"/>
-              <a:t>‹nº›</a:t>
+              <a:t>‹#›</a:t>
             </a:fld>
             <a:endParaRPr lang="pt-PT"/>
           </a:p>
@@ -11869,7 +11924,7 @@
           <a:p>
             <a:fld id="{7506C917-E499-4CEC-BDFB-AB7EF7F701DC}" type="datetimeFigureOut">
               <a:rPr lang="pt-PT" smtClean="0"/>
-              <a:t>20/05/2019</a:t>
+              <a:t>21/05/2019</a:t>
             </a:fld>
             <a:endParaRPr lang="pt-PT"/>
           </a:p>
@@ -11911,7 +11966,7 @@
           <a:p>
             <a:fld id="{8E342EF3-E1D6-4436-B022-C5C969342430}" type="slidenum">
               <a:rPr lang="pt-PT" smtClean="0"/>
-              <a:t>‹nº›</a:t>
+              <a:t>‹#›</a:t>
             </a:fld>
             <a:endParaRPr lang="pt-PT"/>
           </a:p>
@@ -12133,7 +12188,7 @@
           <a:p>
             <a:fld id="{7506C917-E499-4CEC-BDFB-AB7EF7F701DC}" type="datetimeFigureOut">
               <a:rPr lang="pt-PT" smtClean="0"/>
-              <a:t>20/05/2019</a:t>
+              <a:t>21/05/2019</a:t>
             </a:fld>
             <a:endParaRPr lang="pt-PT"/>
           </a:p>
@@ -12175,7 +12230,7 @@
           <a:p>
             <a:fld id="{8E342EF3-E1D6-4436-B022-C5C969342430}" type="slidenum">
               <a:rPr lang="pt-PT" smtClean="0"/>
-              <a:t>‹nº›</a:t>
+              <a:t>‹#›</a:t>
             </a:fld>
             <a:endParaRPr lang="pt-PT"/>
           </a:p>
@@ -12347,7 +12402,7 @@
           <a:p>
             <a:fld id="{7506C917-E499-4CEC-BDFB-AB7EF7F701DC}" type="datetimeFigureOut">
               <a:rPr lang="pt-PT" smtClean="0"/>
-              <a:t>20/05/2019</a:t>
+              <a:t>21/05/2019</a:t>
             </a:fld>
             <a:endParaRPr lang="pt-PT"/>
           </a:p>
@@ -12426,7 +12481,7 @@
           <a:p>
             <a:fld id="{8E342EF3-E1D6-4436-B022-C5C969342430}" type="slidenum">
               <a:rPr lang="pt-PT" smtClean="0"/>
-              <a:t>‹nº›</a:t>
+              <a:t>‹#›</a:t>
             </a:fld>
             <a:endParaRPr lang="pt-PT"/>
           </a:p>
@@ -13407,7 +13462,7 @@
           <a:p>
             <a:fld id="{7506C917-E499-4CEC-BDFB-AB7EF7F701DC}" type="datetimeFigureOut">
               <a:rPr lang="pt-PT" smtClean="0"/>
-              <a:t>20/05/2019</a:t>
+              <a:t>21/05/2019</a:t>
             </a:fld>
             <a:endParaRPr lang="pt-PT"/>
           </a:p>
@@ -13483,7 +13538,7 @@
           <a:p>
             <a:fld id="{8E342EF3-E1D6-4436-B022-C5C969342430}" type="slidenum">
               <a:rPr lang="pt-PT" smtClean="0"/>
-              <a:t>‹nº›</a:t>
+              <a:t>‹#›</a:t>
             </a:fld>
             <a:endParaRPr lang="pt-PT"/>
           </a:p>
@@ -13958,6 +14013,14 @@
           <a:lstStyle/>
           <a:p>
             <a:pPr algn="ctr"/>
+            <a:r>
+              <a:rPr lang="en-US" sz="3200" dirty="0">
+                <a:solidFill>
+                  <a:schemeClr val="tx1"/>
+                </a:solidFill>
+              </a:rPr>
+              <a:t/>
+            </a:r>
             <a:br>
               <a:rPr lang="en-US" sz="3200" dirty="0">
                 <a:solidFill>
@@ -13965,6 +14028,14 @@
                 </a:solidFill>
               </a:rPr>
             </a:br>
+            <a:r>
+              <a:rPr lang="en-US" sz="3200" dirty="0">
+                <a:solidFill>
+                  <a:schemeClr val="tx1"/>
+                </a:solidFill>
+              </a:rPr>
+              <a:t/>
+            </a:r>
             <a:br>
               <a:rPr lang="en-US" sz="3200" dirty="0">
                 <a:solidFill>
@@ -13972,6 +14043,14 @@
                 </a:solidFill>
               </a:rPr>
             </a:br>
+            <a:r>
+              <a:rPr lang="en-US" sz="3200" dirty="0">
+                <a:solidFill>
+                  <a:schemeClr val="tx1"/>
+                </a:solidFill>
+              </a:rPr>
+              <a:t/>
+            </a:r>
             <a:br>
               <a:rPr lang="en-US" sz="3200" dirty="0">
                 <a:solidFill>
@@ -13979,6 +14058,14 @@
                 </a:solidFill>
               </a:rPr>
             </a:br>
+            <a:r>
+              <a:rPr lang="en-US" sz="3200" dirty="0">
+                <a:solidFill>
+                  <a:schemeClr val="tx1"/>
+                </a:solidFill>
+              </a:rPr>
+              <a:t/>
+            </a:r>
             <a:br>
               <a:rPr lang="en-US" sz="3200" dirty="0">
                 <a:solidFill>
@@ -13986,6 +14073,14 @@
                 </a:solidFill>
               </a:rPr>
             </a:br>
+            <a:r>
+              <a:rPr lang="en-US" sz="3200" dirty="0">
+                <a:solidFill>
+                  <a:schemeClr val="tx1"/>
+                </a:solidFill>
+              </a:rPr>
+              <a:t/>
+            </a:r>
             <a:br>
               <a:rPr lang="en-US" sz="3200" dirty="0">
                 <a:solidFill>
@@ -13993,6 +14088,14 @@
                 </a:solidFill>
               </a:rPr>
             </a:br>
+            <a:r>
+              <a:rPr lang="en-US" sz="3200" dirty="0">
+                <a:solidFill>
+                  <a:schemeClr val="tx1"/>
+                </a:solidFill>
+              </a:rPr>
+              <a:t/>
+            </a:r>
             <a:br>
               <a:rPr lang="en-US" sz="3200" dirty="0">
                 <a:solidFill>
@@ -14000,6 +14103,14 @@
                 </a:solidFill>
               </a:rPr>
             </a:br>
+            <a:r>
+              <a:rPr lang="en-US" sz="3200" dirty="0">
+                <a:solidFill>
+                  <a:schemeClr val="tx1"/>
+                </a:solidFill>
+              </a:rPr>
+              <a:t/>
+            </a:r>
             <a:br>
               <a:rPr lang="en-US" sz="3200" dirty="0">
                 <a:solidFill>
@@ -14007,6 +14118,14 @@
                 </a:solidFill>
               </a:rPr>
             </a:br>
+            <a:r>
+              <a:rPr lang="en-US" sz="3200" dirty="0">
+                <a:solidFill>
+                  <a:schemeClr val="tx1"/>
+                </a:solidFill>
+              </a:rPr>
+              <a:t/>
+            </a:r>
             <a:br>
               <a:rPr lang="en-US" sz="3200" dirty="0">
                 <a:solidFill>
@@ -14014,6 +14133,14 @@
                 </a:solidFill>
               </a:rPr>
             </a:br>
+            <a:r>
+              <a:rPr lang="en-US" sz="3200" dirty="0">
+                <a:solidFill>
+                  <a:schemeClr val="tx1"/>
+                </a:solidFill>
+              </a:rPr>
+              <a:t/>
+            </a:r>
             <a:br>
               <a:rPr lang="en-US" sz="3200" dirty="0">
                 <a:solidFill>
@@ -14021,6 +14148,14 @@
                 </a:solidFill>
               </a:rPr>
             </a:br>
+            <a:r>
+              <a:rPr lang="en-US" sz="3200" dirty="0">
+                <a:solidFill>
+                  <a:schemeClr val="tx1"/>
+                </a:solidFill>
+              </a:rPr>
+              <a:t/>
+            </a:r>
             <a:br>
               <a:rPr lang="en-US" sz="3200" dirty="0">
                 <a:solidFill>
@@ -14028,6 +14163,14 @@
                 </a:solidFill>
               </a:rPr>
             </a:br>
+            <a:r>
+              <a:rPr lang="en-US" sz="3200" dirty="0">
+                <a:solidFill>
+                  <a:schemeClr val="tx1"/>
+                </a:solidFill>
+              </a:rPr>
+              <a:t/>
+            </a:r>
             <a:br>
               <a:rPr lang="en-US" sz="3200" dirty="0">
                 <a:solidFill>
@@ -14064,9 +14207,17 @@
               </a:rPr>
               <a:t>Networks Dimensioning</a:t>
             </a:r>
+            <a:r>
+              <a:rPr lang="en-US" sz="3200" dirty="0"/>
+              <a:t/>
+            </a:r>
             <a:br>
               <a:rPr lang="en-US" sz="3200" dirty="0"/>
             </a:br>
+            <a:r>
+              <a:rPr lang="en-US" sz="3200" dirty="0"/>
+              <a:t/>
+            </a:r>
             <a:br>
               <a:rPr lang="en-US" sz="3200" dirty="0"/>
             </a:br>
@@ -14078,9 +14229,17 @@
               </a:rPr>
               <a:t>Eduardo Fernandes</a:t>
             </a:r>
+            <a:r>
+              <a:rPr lang="en-US" sz="3200" dirty="0"/>
+              <a:t/>
+            </a:r>
             <a:br>
               <a:rPr lang="en-US" sz="3200" dirty="0"/>
             </a:br>
+            <a:r>
+              <a:rPr lang="en-US" dirty="0"/>
+              <a:t/>
+            </a:r>
             <a:br>
               <a:rPr lang="en-US" dirty="0"/>
             </a:br>
@@ -14293,6 +14452,13 @@
   <p:clrMapOvr>
     <a:masterClrMapping/>
   </p:clrMapOvr>
+  <p:timing>
+    <p:tnLst>
+      <p:par>
+        <p:cTn id="1" dur="indefinite" restart="never" nodeType="tmRoot"/>
+      </p:par>
+    </p:tnLst>
+  </p:timing>
 </p:sld>
 </file>
 
@@ -14329,7 +14495,7 @@
                 <a16:creationId xmlns:a16="http://schemas.microsoft.com/office/drawing/2014/main" id="{4815A7B4-532E-48C9-AC24-D78ACF3339DB}"/>
               </a:ext>
               <a:ext uri="{C183D7F6-B498-43B3-948B-1728B52AA6E4}">
-                <adec:decorative xmlns:adec="http://schemas.microsoft.com/office/drawing/2017/decorative" val="1"/>
+                <adec:decorative xmlns:adec="http://schemas.microsoft.com/office/drawing/2017/decorative" xmlns="" val="1"/>
               </a:ext>
             </a:extLst>
           </p:cNvPr>
@@ -14360,7 +14526,7 @@
                   <a16:creationId xmlns:a16="http://schemas.microsoft.com/office/drawing/2014/main" id="{D40109F4-CE5C-45F4-856E-F3F69C9FD4E1}"/>
                 </a:ext>
                 <a:ext uri="{C183D7F6-B498-43B3-948B-1728B52AA6E4}">
-                  <adec:decorative xmlns:adec="http://schemas.microsoft.com/office/drawing/2017/decorative" val="1"/>
+                  <adec:decorative xmlns:adec="http://schemas.microsoft.com/office/drawing/2017/decorative" xmlns="" val="1"/>
                 </a:ext>
               </a:extLst>
             </p:cNvPr>
@@ -14438,7 +14604,7 @@
                   <a16:creationId xmlns:a16="http://schemas.microsoft.com/office/drawing/2014/main" id="{3CBAA4DE-3D7B-460B-AE98-D9F9990C0B62}"/>
                 </a:ext>
                 <a:ext uri="{C183D7F6-B498-43B3-948B-1728B52AA6E4}">
-                  <adec:decorative xmlns:adec="http://schemas.microsoft.com/office/drawing/2017/decorative" val="1"/>
+                  <adec:decorative xmlns:adec="http://schemas.microsoft.com/office/drawing/2017/decorative" xmlns="" val="1"/>
                 </a:ext>
               </a:extLst>
             </p:cNvPr>
@@ -14490,7 +14656,7 @@
                   <a16:creationId xmlns:a16="http://schemas.microsoft.com/office/drawing/2014/main" id="{7BF1ED3E-4F80-4AF6-A41B-44F53DDE610D}"/>
                 </a:ext>
                 <a:ext uri="{C183D7F6-B498-43B3-948B-1728B52AA6E4}">
-                  <adec:decorative xmlns:adec="http://schemas.microsoft.com/office/drawing/2017/decorative" val="1"/>
+                  <adec:decorative xmlns:adec="http://schemas.microsoft.com/office/drawing/2017/decorative" xmlns="" val="1"/>
                 </a:ext>
               </a:extLst>
             </p:cNvPr>
@@ -14542,7 +14708,7 @@
                   <a16:creationId xmlns:a16="http://schemas.microsoft.com/office/drawing/2014/main" id="{C0B2D747-3E31-45C5-9A98-A9710A585FBB}"/>
                 </a:ext>
                 <a:ext uri="{C183D7F6-B498-43B3-948B-1728B52AA6E4}">
-                  <adec:decorative xmlns:adec="http://schemas.microsoft.com/office/drawing/2017/decorative" val="1"/>
+                  <adec:decorative xmlns:adec="http://schemas.microsoft.com/office/drawing/2017/decorative" xmlns="" val="1"/>
                 </a:ext>
               </a:extLst>
             </p:cNvPr>
@@ -14620,7 +14786,7 @@
                   <a16:creationId xmlns:a16="http://schemas.microsoft.com/office/drawing/2014/main" id="{A15FD4BA-3020-462D-8BE8-B3A65B8E492A}"/>
                 </a:ext>
                 <a:ext uri="{C183D7F6-B498-43B3-948B-1728B52AA6E4}">
-                  <adec:decorative xmlns:adec="http://schemas.microsoft.com/office/drawing/2017/decorative" val="1"/>
+                  <adec:decorative xmlns:adec="http://schemas.microsoft.com/office/drawing/2017/decorative" xmlns="" val="1"/>
                 </a:ext>
               </a:extLst>
             </p:cNvPr>
@@ -14698,7 +14864,7 @@
                   <a16:creationId xmlns:a16="http://schemas.microsoft.com/office/drawing/2014/main" id="{A304284A-7318-4DD5-898C-2F6B23C778FA}"/>
                 </a:ext>
                 <a:ext uri="{C183D7F6-B498-43B3-948B-1728B52AA6E4}">
-                  <adec:decorative xmlns:adec="http://schemas.microsoft.com/office/drawing/2017/decorative" val="1"/>
+                  <adec:decorative xmlns:adec="http://schemas.microsoft.com/office/drawing/2017/decorative" xmlns="" val="1"/>
                 </a:ext>
               </a:extLst>
             </p:cNvPr>
@@ -14755,7 +14921,7 @@
                   <a16:creationId xmlns:a16="http://schemas.microsoft.com/office/drawing/2014/main" id="{9DF48E66-B635-4509-B115-E0987C014EBC}"/>
                 </a:ext>
                 <a:ext uri="{C183D7F6-B498-43B3-948B-1728B52AA6E4}">
-                  <adec:decorative xmlns:adec="http://schemas.microsoft.com/office/drawing/2017/decorative" val="1"/>
+                  <adec:decorative xmlns:adec="http://schemas.microsoft.com/office/drawing/2017/decorative" xmlns="" val="1"/>
                 </a:ext>
               </a:extLst>
             </p:cNvPr>
@@ -14834,7 +15000,7 @@
                   <a16:creationId xmlns:a16="http://schemas.microsoft.com/office/drawing/2014/main" id="{E3B96D94-5F5A-4F4C-810C-917BF4D266C3}"/>
                 </a:ext>
                 <a:ext uri="{C183D7F6-B498-43B3-948B-1728B52AA6E4}">
-                  <adec:decorative xmlns:adec="http://schemas.microsoft.com/office/drawing/2017/decorative" val="1"/>
+                  <adec:decorative xmlns:adec="http://schemas.microsoft.com/office/drawing/2017/decorative" xmlns="" val="1"/>
                 </a:ext>
               </a:extLst>
             </p:cNvPr>
@@ -14912,7 +15078,7 @@
                   <a16:creationId xmlns:a16="http://schemas.microsoft.com/office/drawing/2014/main" id="{7F3782D6-BFF8-4389-9D39-A023ADAA92C1}"/>
                 </a:ext>
                 <a:ext uri="{C183D7F6-B498-43B3-948B-1728B52AA6E4}">
-                  <adec:decorative xmlns:adec="http://schemas.microsoft.com/office/drawing/2017/decorative" val="1"/>
+                  <adec:decorative xmlns:adec="http://schemas.microsoft.com/office/drawing/2017/decorative" xmlns="" val="1"/>
                 </a:ext>
               </a:extLst>
             </p:cNvPr>
@@ -14991,7 +15157,7 @@
                   <a16:creationId xmlns:a16="http://schemas.microsoft.com/office/drawing/2014/main" id="{ECE162D4-FCAE-441B-B5E9-C91DE62124EF}"/>
                 </a:ext>
                 <a:ext uri="{C183D7F6-B498-43B3-948B-1728B52AA6E4}">
-                  <adec:decorative xmlns:adec="http://schemas.microsoft.com/office/drawing/2017/decorative" val="1"/>
+                  <adec:decorative xmlns:adec="http://schemas.microsoft.com/office/drawing/2017/decorative" xmlns="" val="1"/>
                 </a:ext>
               </a:extLst>
             </p:cNvPr>
@@ -15091,7 +15257,7 @@
                 <a16:creationId xmlns:a16="http://schemas.microsoft.com/office/drawing/2014/main" id="{DC99427B-A97E-40A3-B1FD-4557346C6A91}"/>
               </a:ext>
               <a:ext uri="{C183D7F6-B498-43B3-948B-1728B52AA6E4}">
-                <adec:decorative xmlns:adec="http://schemas.microsoft.com/office/drawing/2017/decorative" val="1"/>
+                <adec:decorative xmlns:adec="http://schemas.microsoft.com/office/drawing/2017/decorative" xmlns="" val="1"/>
               </a:ext>
             </a:extLst>
           </p:cNvPr>
@@ -15162,7 +15328,7 @@
                 <a14:useLocalDpi xmlns:a14="http://schemas.microsoft.com/office/drawing/2010/main" val="0"/>
               </a:ext>
               <a:ext uri="{96DAC541-7B7A-43D3-8B79-37D633B846F1}">
-                <asvg:svgBlip xmlns:asvg="http://schemas.microsoft.com/office/drawing/2016/SVG/main" r:embed="rId3"/>
+                <asvg:svgBlip xmlns:asvg="http://schemas.microsoft.com/office/drawing/2016/SVG/main" xmlns="" r:embed="rId3"/>
               </a:ext>
             </a:extLst>
           </a:blip>
@@ -15190,6 +15356,13 @@
   <p:clrMapOvr>
     <a:masterClrMapping/>
   </p:clrMapOvr>
+  <p:timing>
+    <p:tnLst>
+      <p:par>
+        <p:cTn id="1" dur="indefinite" restart="never" nodeType="tmRoot"/>
+      </p:par>
+    </p:tnLst>
+  </p:timing>
 </p:sld>
 </file>
 
@@ -15231,12 +15404,15 @@
         </p:blipFill>
         <p:spPr>
           <a:xfrm>
-            <a:off x="0" y="0"/>
-            <a:ext cx="12192000" cy="6858000"/>
+            <a:off x="1222558" y="465641"/>
+            <a:ext cx="9672517" cy="5864470"/>
           </a:xfrm>
           <a:prstGeom prst="rect">
             <a:avLst/>
           </a:prstGeom>
+          <a:effectLst>
+            <a:softEdge rad="0"/>
+          </a:effectLst>
         </p:spPr>
       </p:pic>
     </p:spTree>
@@ -15249,6 +15425,13 @@
   <p:clrMapOvr>
     <a:masterClrMapping/>
   </p:clrMapOvr>
+  <p:timing>
+    <p:tnLst>
+      <p:par>
+        <p:cTn id="1" dur="indefinite" restart="never" nodeType="tmRoot"/>
+      </p:par>
+    </p:tnLst>
+  </p:timing>
 </p:sld>
 </file>
 
@@ -15430,6 +15613,13 @@
   <p:clrMapOvr>
     <a:masterClrMapping/>
   </p:clrMapOvr>
+  <p:timing>
+    <p:tnLst>
+      <p:par>
+        <p:cTn id="1" dur="indefinite" restart="never" nodeType="tmRoot"/>
+      </p:par>
+    </p:tnLst>
+  </p:timing>
 </p:sld>
 </file>
 
@@ -15595,6 +15785,13 @@
   <p:clrMapOvr>
     <a:masterClrMapping/>
   </p:clrMapOvr>
+  <p:timing>
+    <p:tnLst>
+      <p:par>
+        <p:cTn id="1" dur="indefinite" restart="never" nodeType="tmRoot"/>
+      </p:par>
+    </p:tnLst>
+  </p:timing>
 </p:sld>
 </file>
 
@@ -15712,6 +15909,13 @@
   <p:clrMapOvr>
     <a:masterClrMapping/>
   </p:clrMapOvr>
+  <p:timing>
+    <p:tnLst>
+      <p:par>
+        <p:cTn id="1" dur="indefinite" restart="never" nodeType="tmRoot"/>
+      </p:par>
+    </p:tnLst>
+  </p:timing>
 </p:sld>
 </file>
 
@@ -15829,6 +16033,13 @@
   <p:clrMapOvr>
     <a:masterClrMapping/>
   </p:clrMapOvr>
+  <p:timing>
+    <p:tnLst>
+      <p:par>
+        <p:cTn id="1" dur="indefinite" restart="never" nodeType="tmRoot"/>
+      </p:par>
+    </p:tnLst>
+  </p:timing>
 </p:sld>
 </file>
 
@@ -15970,6 +16181,13 @@
   <p:clrMapOvr>
     <a:masterClrMapping/>
   </p:clrMapOvr>
+  <p:timing>
+    <p:tnLst>
+      <p:par>
+        <p:cTn id="1" dur="indefinite" restart="never" nodeType="tmRoot"/>
+      </p:par>
+    </p:tnLst>
+  </p:timing>
 </p:sld>
 </file>
 
@@ -16175,6 +16393,13 @@
   <p:clrMapOvr>
     <a:masterClrMapping/>
   </p:clrMapOvr>
+  <p:timing>
+    <p:tnLst>
+      <p:par>
+        <p:cTn id="1" dur="indefinite" restart="never" nodeType="tmRoot"/>
+      </p:par>
+    </p:tnLst>
+  </p:timing>
 </p:sld>
 </file>
 
@@ -16299,6 +16524,13 @@
   <p:clrMapOvr>
     <a:masterClrMapping/>
   </p:clrMapOvr>
+  <p:timing>
+    <p:tnLst>
+      <p:par>
+        <p:cTn id="1" dur="indefinite" restart="never" nodeType="tmRoot"/>
+      </p:par>
+    </p:tnLst>
+  </p:timing>
 </p:sld>
 </file>
 
@@ -16335,7 +16567,7 @@
                 <a16:creationId xmlns:a16="http://schemas.microsoft.com/office/drawing/2014/main" id="{603AE127-802C-459A-A612-DB85B67F0DC0}"/>
               </a:ext>
               <a:ext uri="{C183D7F6-B498-43B3-948B-1728B52AA6E4}">
-                <adec:decorative xmlns:adec="http://schemas.microsoft.com/office/drawing/2017/decorative" val="1"/>
+                <adec:decorative xmlns:adec="http://schemas.microsoft.com/office/drawing/2017/decorative" xmlns="" val="1"/>
               </a:ext>
             </a:extLst>
           </p:cNvPr>
@@ -16430,7 +16662,7 @@
                 <a16:creationId xmlns:a16="http://schemas.microsoft.com/office/drawing/2014/main" id="{9323D83D-50D6-4040-A58B-FCEA340F886A}"/>
               </a:ext>
               <a:ext uri="{C183D7F6-B498-43B3-948B-1728B52AA6E4}">
-                <adec:decorative xmlns:adec="http://schemas.microsoft.com/office/drawing/2017/decorative" val="1"/>
+                <adec:decorative xmlns:adec="http://schemas.microsoft.com/office/drawing/2017/decorative" xmlns="" val="1"/>
               </a:ext>
             </a:extLst>
           </p:cNvPr>
@@ -16486,7 +16718,7 @@
                 <a16:creationId xmlns:a16="http://schemas.microsoft.com/office/drawing/2014/main" id="{1A1FE6BB-DFB2-4080-9B5E-076EF5DDE67B}"/>
               </a:ext>
               <a:ext uri="{C183D7F6-B498-43B3-948B-1728B52AA6E4}">
-                <adec:decorative xmlns:adec="http://schemas.microsoft.com/office/drawing/2017/decorative" val="1"/>
+                <adec:decorative xmlns:adec="http://schemas.microsoft.com/office/drawing/2017/decorative" xmlns="" val="1"/>
               </a:ext>
             </a:extLst>
           </p:cNvPr>
@@ -16658,7 +16890,7 @@
                 <a16:creationId xmlns:a16="http://schemas.microsoft.com/office/drawing/2014/main" id="{F10FD715-4DCE-4779-B634-EC78315EA213}"/>
               </a:ext>
               <a:ext uri="{C183D7F6-B498-43B3-948B-1728B52AA6E4}">
-                <adec:decorative xmlns:adec="http://schemas.microsoft.com/office/drawing/2017/decorative" val="1"/>
+                <adec:decorative xmlns:adec="http://schemas.microsoft.com/office/drawing/2017/decorative" xmlns="" val="1"/>
               </a:ext>
             </a:extLst>
           </p:cNvPr>
@@ -16752,6 +16984,13 @@
   <p:clrMapOvr>
     <a:masterClrMapping/>
   </p:clrMapOvr>
+  <p:timing>
+    <p:tnLst>
+      <p:par>
+        <p:cTn id="1" dur="indefinite" restart="never" nodeType="tmRoot"/>
+      </p:par>
+    </p:tnLst>
+  </p:timing>
 </p:sld>
 </file>
 
@@ -16860,6 +17099,13 @@
   <p:clrMapOvr>
     <a:masterClrMapping/>
   </p:clrMapOvr>
+  <p:timing>
+    <p:tnLst>
+      <p:par>
+        <p:cTn id="1" dur="indefinite" restart="never" nodeType="tmRoot"/>
+      </p:par>
+    </p:tnLst>
+  </p:timing>
 </p:sld>
 </file>
 
@@ -17147,6 +17393,13 @@
   <p:clrMapOvr>
     <a:masterClrMapping/>
   </p:clrMapOvr>
+  <p:timing>
+    <p:tnLst>
+      <p:par>
+        <p:cTn id="1" dur="indefinite" restart="never" nodeType="tmRoot"/>
+      </p:par>
+    </p:tnLst>
+  </p:timing>
 </p:sld>
 </file>
 
@@ -17293,6 +17546,13 @@
   <p:clrMapOvr>
     <a:masterClrMapping/>
   </p:clrMapOvr>
+  <p:timing>
+    <p:tnLst>
+      <p:par>
+        <p:cTn id="1" dur="indefinite" restart="never" nodeType="tmRoot"/>
+      </p:par>
+    </p:tnLst>
+  </p:timing>
 </p:sld>
 </file>
 
